--- a/University of Computer Studies, Pakokku.pptx
+++ b/University of Computer Studies, Pakokku.pptx
@@ -1931,7 +1931,7 @@
           <a:p>
             <a:fld id="{3828D0CA-4289-4B51-B748-5268E65750AA}" type="datetimeFigureOut">
               <a:rPr lang="en-US" smtClean="0"/>
-              <a:t>2/12/2023</a:t>
+              <a:t>2/13/2023</a:t>
             </a:fld>
             <a:endParaRPr lang="en-US"/>
           </a:p>
@@ -2112,7 +2112,7 @@
           <a:p>
             <a:fld id="{3828D0CA-4289-4B51-B748-5268E65750AA}" type="datetimeFigureOut">
               <a:rPr lang="en-US" smtClean="0"/>
-              <a:t>2/12/2023</a:t>
+              <a:t>2/13/2023</a:t>
             </a:fld>
             <a:endParaRPr lang="en-US"/>
           </a:p>
@@ -2263,7 +2263,7 @@
           <a:p>
             <a:fld id="{3828D0CA-4289-4B51-B748-5268E65750AA}" type="datetimeFigureOut">
               <a:rPr lang="en-US" smtClean="0"/>
-              <a:t>2/12/2023</a:t>
+              <a:t>2/13/2023</a:t>
             </a:fld>
             <a:endParaRPr lang="en-US"/>
           </a:p>
@@ -4089,7 +4089,7 @@
           <a:p>
             <a:fld id="{3828D0CA-4289-4B51-B748-5268E65750AA}" type="datetimeFigureOut">
               <a:rPr lang="en-US" smtClean="0"/>
-              <a:t>2/12/2023</a:t>
+              <a:t>2/13/2023</a:t>
             </a:fld>
             <a:endParaRPr lang="en-US"/>
           </a:p>
@@ -5959,7 +5959,7 @@
           <a:p>
             <a:fld id="{3828D0CA-4289-4B51-B748-5268E65750AA}" type="datetimeFigureOut">
               <a:rPr lang="en-US" smtClean="0"/>
-              <a:t>2/12/2023</a:t>
+              <a:t>2/13/2023</a:t>
             </a:fld>
             <a:endParaRPr lang="en-US"/>
           </a:p>
@@ -6072,7 +6072,7 @@
           <a:p>
             <a:fld id="{3828D0CA-4289-4B51-B748-5268E65750AA}" type="datetimeFigureOut">
               <a:rPr lang="en-US" smtClean="0"/>
-              <a:t>2/12/2023</a:t>
+              <a:t>2/13/2023</a:t>
             </a:fld>
             <a:endParaRPr lang="en-US"/>
           </a:p>
@@ -6613,7 +6613,7 @@
           <a:p>
             <a:fld id="{3828D0CA-4289-4B51-B748-5268E65750AA}" type="datetimeFigureOut">
               <a:rPr lang="en-US" smtClean="0"/>
-              <a:t>2/12/2023</a:t>
+              <a:t>2/13/2023</a:t>
             </a:fld>
             <a:endParaRPr lang="en-US"/>
           </a:p>
@@ -6726,7 +6726,7 @@
           <a:p>
             <a:fld id="{3828D0CA-4289-4B51-B748-5268E65750AA}" type="datetimeFigureOut">
               <a:rPr lang="en-US" smtClean="0"/>
-              <a:t>2/12/2023</a:t>
+              <a:t>2/13/2023</a:t>
             </a:fld>
             <a:endParaRPr lang="en-US"/>
           </a:p>
@@ -8437,7 +8437,7 @@
           <a:p>
             <a:fld id="{3828D0CA-4289-4B51-B748-5268E65750AA}" type="datetimeFigureOut">
               <a:rPr lang="en-US" smtClean="0"/>
-              <a:t>2/12/2023</a:t>
+              <a:t>2/13/2023</a:t>
             </a:fld>
             <a:endParaRPr lang="en-US"/>
           </a:p>
@@ -8588,7 +8588,7 @@
           <a:p>
             <a:fld id="{3828D0CA-4289-4B51-B748-5268E65750AA}" type="datetimeFigureOut">
               <a:rPr lang="en-US" smtClean="0"/>
-              <a:t>2/12/2023</a:t>
+              <a:t>2/13/2023</a:t>
             </a:fld>
             <a:endParaRPr lang="en-US"/>
           </a:p>
@@ -12203,7 +12203,7 @@
           <a:p>
             <a:fld id="{3828D0CA-4289-4B51-B748-5268E65750AA}" type="datetimeFigureOut">
               <a:rPr lang="en-US" smtClean="0"/>
-              <a:t>2/12/2023</a:t>
+              <a:t>2/13/2023</a:t>
             </a:fld>
             <a:endParaRPr lang="en-US"/>
           </a:p>
@@ -14062,7 +14062,7 @@
           <a:p>
             <a:fld id="{3828D0CA-4289-4B51-B748-5268E65750AA}" type="datetimeFigureOut">
               <a:rPr lang="en-US" smtClean="0"/>
-              <a:t>2/12/2023</a:t>
+              <a:t>2/13/2023</a:t>
             </a:fld>
             <a:endParaRPr lang="en-US"/>
           </a:p>
@@ -15224,8 +15224,8 @@
             </a:pPr>
             <a:r>
               <a:rPr lang="en-US" sz="2400" dirty="0">
-                <a:latin typeface="Times New Roman" pitchFamily="18" charset="0"/>
-                <a:cs typeface="Times New Roman" pitchFamily="18" charset="0"/>
+                <a:latin typeface="Times New Roman" panose="02020603050405020304" pitchFamily="18" charset="0"/>
+                <a:cs typeface="Times New Roman" panose="02020603050405020304" pitchFamily="18" charset="0"/>
               </a:rPr>
               <a:t>LIMITATION &amp; FURTHER </a:t>
             </a:r>
@@ -15404,7 +15404,21 @@
                 <a:latin typeface="Times New Roman" panose="02020603050405020304" pitchFamily="18" charset="0"/>
                 <a:cs typeface="Times New Roman" panose="02020603050405020304" pitchFamily="18" charset="0"/>
               </a:rPr>
-              <a:t>Our project is “Giving information about University of Computer Studies (Pakokku)”  ,as a website.</a:t>
+              <a:t>Our project is “Giving information about University of Computer Studies (Pakokku)” </a:t>
+            </a:r>
+            <a:r>
+              <a:rPr lang="en-US" sz="2400" dirty="0" smtClean="0">
+                <a:latin typeface="Times New Roman" panose="02020603050405020304" pitchFamily="18" charset="0"/>
+                <a:cs typeface="Times New Roman" panose="02020603050405020304" pitchFamily="18" charset="0"/>
+              </a:rPr>
+              <a:t>as </a:t>
+            </a:r>
+            <a:r>
+              <a:rPr lang="en-US" sz="2400" dirty="0">
+                <a:latin typeface="Times New Roman" panose="02020603050405020304" pitchFamily="18" charset="0"/>
+                <a:cs typeface="Times New Roman" panose="02020603050405020304" pitchFamily="18" charset="0"/>
+              </a:rPr>
+              <a:t>a website.</a:t>
             </a:r>
           </a:p>
           <a:p>
@@ -15894,11 +15908,47 @@
               <a:buChar char="Ø"/>
             </a:pPr>
             <a:r>
+              <a:rPr lang="en-US" dirty="0">
+                <a:latin typeface="Times New Roman" pitchFamily="18" charset="0"/>
+                <a:cs typeface="Times New Roman" pitchFamily="18" charset="0"/>
+              </a:rPr>
+              <a:t>Some of the data in our project may be slightly wrong because it is difficult to collect data.</a:t>
+            </a:r>
+          </a:p>
+          <a:p>
+            <a:pPr marL="0" indent="0">
+              <a:buNone/>
+            </a:pPr>
+            <a:endParaRPr lang="en-US" dirty="0">
+              <a:latin typeface="Times New Roman" pitchFamily="18" charset="0"/>
+              <a:cs typeface="Times New Roman" pitchFamily="18" charset="0"/>
+            </a:endParaRPr>
+          </a:p>
+          <a:p>
+            <a:pPr>
+              <a:buFont typeface="Wingdings" pitchFamily="2" charset="2"/>
+              <a:buChar char="Ø"/>
+            </a:pPr>
+            <a:r>
               <a:rPr lang="en-US" sz="2400" dirty="0" smtClean="0">
                 <a:latin typeface="Times New Roman" pitchFamily="18" charset="0"/>
                 <a:cs typeface="Times New Roman" pitchFamily="18" charset="0"/>
               </a:rPr>
-              <a:t>By entering at this project, you can partially know about University of Computer Studies </a:t>
+              <a:t>By </a:t>
+            </a:r>
+            <a:r>
+              <a:rPr lang="en-US" sz="2400" dirty="0" smtClean="0">
+                <a:latin typeface="Times New Roman" pitchFamily="18" charset="0"/>
+                <a:cs typeface="Times New Roman" pitchFamily="18" charset="0"/>
+              </a:rPr>
+              <a:t>entering at this project, you can partially know about University of Computer </a:t>
+            </a:r>
+            <a:r>
+              <a:rPr lang="en-US" sz="2400" dirty="0" smtClean="0">
+                <a:latin typeface="Times New Roman" pitchFamily="18" charset="0"/>
+                <a:cs typeface="Times New Roman" pitchFamily="18" charset="0"/>
+              </a:rPr>
+              <a:t>Studies, </a:t>
             </a:r>
             <a:r>
               <a:rPr lang="en-US" sz="2400" dirty="0" err="1" smtClean="0">
@@ -15914,13 +15964,7 @@
               </a:rPr>
               <a:t>. </a:t>
             </a:r>
-          </a:p>
-          <a:p>
-            <a:pPr>
-              <a:buFont typeface="Wingdings" pitchFamily="2" charset="2"/>
-              <a:buChar char="Ø"/>
-            </a:pPr>
-            <a:endParaRPr lang="en-US" sz="2400" dirty="0">
+            <a:endParaRPr lang="en-US" sz="2400" dirty="0" smtClean="0">
               <a:latin typeface="Times New Roman" pitchFamily="18" charset="0"/>
               <a:cs typeface="Times New Roman" pitchFamily="18" charset="0"/>
             </a:endParaRPr>
@@ -16015,29 +16059,78 @@
               <a:buChar char="Ø"/>
             </a:pPr>
             <a:r>
-              <a:rPr lang="en-US" sz="2400" dirty="0" smtClean="0">
+              <a:rPr lang="en-US" dirty="0" smtClean="0">
                 <a:latin typeface="Times New Roman" pitchFamily="18" charset="0"/>
                 <a:cs typeface="Times New Roman" pitchFamily="18" charset="0"/>
+                <a:hlinkClick r:id="rId2"/>
               </a:rPr>
-              <a:t>The designs on our website were created by studying the UI designs on the </a:t>
+              <a:t>https://www.pinterest.com</a:t>
+            </a:r>
+            <a:endParaRPr lang="en-US" dirty="0" smtClean="0">
+              <a:latin typeface="Times New Roman" pitchFamily="18" charset="0"/>
+              <a:cs typeface="Times New Roman" pitchFamily="18" charset="0"/>
+            </a:endParaRPr>
+          </a:p>
+          <a:p>
+            <a:pPr>
+              <a:buFont typeface="Wingdings" pitchFamily="2" charset="2"/>
+              <a:buChar char="Ø"/>
+            </a:pPr>
+            <a:endParaRPr lang="en-US" dirty="0" smtClean="0">
+              <a:latin typeface="Times New Roman" pitchFamily="18" charset="0"/>
+              <a:cs typeface="Times New Roman" pitchFamily="18" charset="0"/>
+            </a:endParaRPr>
+          </a:p>
+          <a:p>
+            <a:pPr>
+              <a:buFont typeface="Wingdings" pitchFamily="2" charset="2"/>
+              <a:buChar char="Ø"/>
+            </a:pPr>
+            <a:r>
+              <a:rPr lang="en-US" dirty="0">
+                <a:latin typeface="Times New Roman" pitchFamily="18" charset="0"/>
+                <a:cs typeface="Times New Roman" pitchFamily="18" charset="0"/>
+                <a:hlinkClick r:id="rId3"/>
+              </a:rPr>
+              <a:t>https://</a:t>
             </a:r>
             <a:r>
-              <a:rPr lang="en-US" sz="2400" dirty="0" err="1" smtClean="0">
-                <a:solidFill>
-                  <a:srgbClr val="FF0000"/>
-                </a:solidFill>
+              <a:rPr lang="en-US" dirty="0" smtClean="0">
                 <a:latin typeface="Times New Roman" pitchFamily="18" charset="0"/>
                 <a:cs typeface="Times New Roman" pitchFamily="18" charset="0"/>
+                <a:hlinkClick r:id="rId3"/>
               </a:rPr>
-              <a:t>pinterest</a:t>
+              <a:t>www.ucsy.edu.mm</a:t>
             </a:r>
-            <a:r>
-              <a:rPr lang="en-US" sz="2400" dirty="0" smtClean="0">
-                <a:latin typeface="Times New Roman" pitchFamily="18" charset="0"/>
-                <a:cs typeface="Times New Roman" pitchFamily="18" charset="0"/>
-              </a:rPr>
-              <a:t> website.</a:t>
-            </a:r>
+            <a:endParaRPr lang="en-US" dirty="0" smtClean="0">
+              <a:latin typeface="Times New Roman" pitchFamily="18" charset="0"/>
+              <a:cs typeface="Times New Roman" pitchFamily="18" charset="0"/>
+            </a:endParaRPr>
+          </a:p>
+          <a:p>
+            <a:pPr>
+              <a:buFont typeface="Wingdings" pitchFamily="2" charset="2"/>
+              <a:buChar char="Ø"/>
+            </a:pPr>
+            <a:endParaRPr lang="en-US" dirty="0">
+              <a:latin typeface="Times New Roman" pitchFamily="18" charset="0"/>
+              <a:cs typeface="Times New Roman" pitchFamily="18" charset="0"/>
+            </a:endParaRPr>
+          </a:p>
+          <a:p>
+            <a:pPr>
+              <a:buFont typeface="Wingdings" pitchFamily="2" charset="2"/>
+              <a:buChar char="Ø"/>
+            </a:pPr>
+            <a:endParaRPr lang="en-US" dirty="0">
+              <a:latin typeface="Times New Roman" pitchFamily="18" charset="0"/>
+              <a:cs typeface="Times New Roman" pitchFamily="18" charset="0"/>
+            </a:endParaRPr>
+          </a:p>
+          <a:p>
+            <a:pPr marL="0" indent="0">
+              <a:buNone/>
+            </a:pPr>
             <a:endParaRPr lang="en-US" sz="2400" dirty="0">
               <a:latin typeface="Times New Roman" pitchFamily="18" charset="0"/>
               <a:cs typeface="Times New Roman" pitchFamily="18" charset="0"/>
